--- a/LectureFiles/cbw/2017/RNASeq_Module2_Tutorial.pptx
+++ b/LectureFiles/cbw/2017/RNASeq_Module2_Tutorial.pptx
@@ -260,7 +260,7 @@
               <a:pPr>
                 <a:defRPr/>
               </a:pPr>
-              <a:t>3/4/17</a:t>
+              <a:t>7/8/17</a:t>
             </a:fld>
             <a:endParaRPr lang="en-US"/>
           </a:p>
@@ -475,7 +475,7 @@
               <a:pPr>
                 <a:defRPr/>
               </a:pPr>
-              <a:t>3/4/17</a:t>
+              <a:t>7/8/17</a:t>
             </a:fld>
             <a:endParaRPr lang="en-US"/>
           </a:p>
@@ -2456,13 +2456,6 @@
               </a:rPr>
               <a:t>RNA sequencing and analysis</a:t>
             </a:r>
-            <a:endParaRPr lang="en-US" sz="2000" b="1" dirty="0" smtClean="0">
-              <a:solidFill>
-                <a:schemeClr val="bg1"/>
-              </a:solidFill>
-              <a:latin typeface="Calibri" charset="0"/>
-              <a:cs typeface="Calibri" charset="0"/>
-            </a:endParaRPr>
           </a:p>
         </p:txBody>
       </p:sp>
@@ -2995,13 +2988,6 @@
               </a:rPr>
               <a:t>RNA sequencing and analysis</a:t>
             </a:r>
-            <a:endParaRPr lang="en-US" sz="2000" b="1" dirty="0" smtClean="0">
-              <a:solidFill>
-                <a:schemeClr val="bg1"/>
-              </a:solidFill>
-              <a:latin typeface="Calibri" charset="0"/>
-              <a:cs typeface="Calibri" charset="0"/>
-            </a:endParaRPr>
           </a:p>
         </p:txBody>
       </p:sp>
@@ -3446,13 +3432,6 @@
               </a:rPr>
               <a:t>RNA sequencing and analysis</a:t>
             </a:r>
-            <a:endParaRPr lang="en-US" sz="2000" b="1" dirty="0" smtClean="0">
-              <a:solidFill>
-                <a:schemeClr val="bg1"/>
-              </a:solidFill>
-              <a:latin typeface="Calibri" charset="0"/>
-              <a:cs typeface="Calibri" charset="0"/>
-            </a:endParaRPr>
           </a:p>
         </p:txBody>
       </p:sp>
@@ -4073,13 +4052,6 @@
               </a:rPr>
               <a:t>RNA sequencing and analysis</a:t>
             </a:r>
-            <a:endParaRPr lang="en-US" sz="2000" b="1" dirty="0" smtClean="0">
-              <a:solidFill>
-                <a:schemeClr val="bg1"/>
-              </a:solidFill>
-              <a:latin typeface="Calibri" charset="0"/>
-              <a:cs typeface="Calibri" charset="0"/>
-            </a:endParaRPr>
           </a:p>
         </p:txBody>
       </p:sp>
@@ -4556,7 +4528,7 @@
               <a:pPr>
                 <a:defRPr/>
               </a:pPr>
-              <a:t>3/4/17</a:t>
+              <a:t>7/8/17</a:t>
             </a:fld>
             <a:endParaRPr lang="en-US"/>
           </a:p>
@@ -6338,7 +6310,7 @@
               <a:defRPr/>
             </a:pPr>
             <a:r>
-              <a:rPr lang="en-US" sz="1600" dirty="0" smtClean="0">
+              <a:rPr lang="en-US" sz="1600" dirty="0">
                 <a:ln w="1270">
                   <a:solidFill>
                     <a:schemeClr val="tx1">
@@ -6347,21 +6319,12 @@
                   </a:solidFill>
                 </a:ln>
                 <a:latin typeface="Calibri"/>
-                <a:ea typeface="+mj-ea"/>
                 <a:cs typeface="Calibri"/>
               </a:rPr>
-              <a:t>High-Throughput Biology: From Sequence to Networks</a:t>
-            </a:r>
-          </a:p>
-          <a:p>
-            <a:pPr fontAlgn="auto">
-              <a:spcAft>
-                <a:spcPts val="0"/>
-              </a:spcAft>
-              <a:defRPr/>
-            </a:pPr>
-            <a:r>
-              <a:rPr lang="en-US" sz="1400" dirty="0" smtClean="0">
+              <a:t>Informatics for RNA-</a:t>
+            </a:r>
+            <a:r>
+              <a:rPr lang="en-US" sz="1600" dirty="0" err="1">
                 <a:ln w="1270">
                   <a:solidFill>
                     <a:schemeClr val="tx1">
@@ -6370,11 +6333,62 @@
                   </a:solidFill>
                 </a:ln>
                 <a:latin typeface="Calibri"/>
-                <a:ea typeface="+mn-ea"/>
                 <a:cs typeface="Calibri"/>
               </a:rPr>
-              <a:t>March 20-26, 2017</a:t>
-            </a:r>
+              <a:t>seq</a:t>
+            </a:r>
+            <a:r>
+              <a:rPr lang="en-US" sz="1600">
+                <a:ln w="1270">
+                  <a:solidFill>
+                    <a:schemeClr val="tx1">
+                      <a:alpha val="38000"/>
+                    </a:schemeClr>
+                  </a:solidFill>
+                </a:ln>
+                <a:latin typeface="Calibri"/>
+                <a:cs typeface="Calibri"/>
+              </a:rPr>
+              <a:t> Analysis</a:t>
+            </a:r>
+            <a:br>
+              <a:rPr lang="en-US" sz="1600">
+                <a:ln w="1270">
+                  <a:solidFill>
+                    <a:schemeClr val="tx1">
+                      <a:alpha val="38000"/>
+                    </a:schemeClr>
+                  </a:solidFill>
+                </a:ln>
+                <a:latin typeface="Calibri"/>
+                <a:cs typeface="Calibri"/>
+              </a:rPr>
+            </a:br>
+            <a:r>
+              <a:rPr lang="en-US" sz="1400">
+                <a:ln w="1270">
+                  <a:solidFill>
+                    <a:schemeClr val="tx1">
+                      <a:alpha val="38000"/>
+                    </a:schemeClr>
+                  </a:solidFill>
+                </a:ln>
+                <a:latin typeface="Calibri"/>
+                <a:cs typeface="Calibri"/>
+              </a:rPr>
+              <a:t>July 10-12, 2017</a:t>
+            </a:r>
+            <a:endParaRPr lang="en-US" sz="1400" dirty="0">
+              <a:ln w="1270">
+                <a:solidFill>
+                  <a:schemeClr val="tx1">
+                    <a:alpha val="38000"/>
+                  </a:schemeClr>
+                </a:solidFill>
+              </a:ln>
+              <a:latin typeface="Calibri"/>
+              <a:cs typeface="Calibri"/>
+            </a:endParaRPr>
           </a:p>
         </p:txBody>
       </p:sp>
